--- a/doc/flowchart.pptx
+++ b/doc/flowchart.pptx
@@ -7,6 +7,7 @@
   <p:sldIdLst>
     <p:sldId id="257" r:id="rId2"/>
     <p:sldId id="256" r:id="rId3"/>
+    <p:sldId id="258" r:id="rId4"/>
   </p:sldIdLst>
   <p:sldSz cx="6858000" cy="12192000"/>
   <p:notesSz cx="6858000" cy="9144000"/>
@@ -108,7 +109,7 @@
   <p:extLst>
     <p:ext uri="{EFAFB233-063F-42B5-8137-9DF3F51BA10A}">
       <p15:sldGuideLst xmlns:p15="http://schemas.microsoft.com/office/powerpoint/2012/main">
-        <p15:guide id="1" orient="horz" pos="3817" userDrawn="1">
+        <p15:guide id="1" orient="horz" pos="3795" userDrawn="1">
           <p15:clr>
             <a:srgbClr val="A4A3A4"/>
           </p15:clr>
@@ -255,7 +256,7 @@
           <a:p>
             <a:fld id="{71DA34BE-174D-7A44-A52B-B6A2A01B4AA6}" type="datetimeFigureOut">
               <a:rPr kumimoji="1" lang="ja-JP" altLang="en-US" smtClean="0"/>
-              <a:t>2019/10/24</a:t>
+              <a:t>2019/10/27</a:t>
             </a:fld>
             <a:endParaRPr kumimoji="1" lang="ja-JP" altLang="en-US"/>
           </a:p>
@@ -457,7 +458,7 @@
           <a:p>
             <a:fld id="{71DA34BE-174D-7A44-A52B-B6A2A01B4AA6}" type="datetimeFigureOut">
               <a:rPr kumimoji="1" lang="ja-JP" altLang="en-US" smtClean="0"/>
-              <a:t>2019/10/24</a:t>
+              <a:t>2019/10/27</a:t>
             </a:fld>
             <a:endParaRPr kumimoji="1" lang="ja-JP" altLang="en-US"/>
           </a:p>
@@ -669,7 +670,7 @@
           <a:p>
             <a:fld id="{71DA34BE-174D-7A44-A52B-B6A2A01B4AA6}" type="datetimeFigureOut">
               <a:rPr kumimoji="1" lang="ja-JP" altLang="en-US" smtClean="0"/>
-              <a:t>2019/10/24</a:t>
+              <a:t>2019/10/27</a:t>
             </a:fld>
             <a:endParaRPr kumimoji="1" lang="ja-JP" altLang="en-US"/>
           </a:p>
@@ -871,7 +872,7 @@
           <a:p>
             <a:fld id="{71DA34BE-174D-7A44-A52B-B6A2A01B4AA6}" type="datetimeFigureOut">
               <a:rPr kumimoji="1" lang="ja-JP" altLang="en-US" smtClean="0"/>
-              <a:t>2019/10/24</a:t>
+              <a:t>2019/10/27</a:t>
             </a:fld>
             <a:endParaRPr kumimoji="1" lang="ja-JP" altLang="en-US"/>
           </a:p>
@@ -1115,7 +1116,7 @@
           <a:p>
             <a:fld id="{71DA34BE-174D-7A44-A52B-B6A2A01B4AA6}" type="datetimeFigureOut">
               <a:rPr kumimoji="1" lang="ja-JP" altLang="en-US" smtClean="0"/>
-              <a:t>2019/10/24</a:t>
+              <a:t>2019/10/27</a:t>
             </a:fld>
             <a:endParaRPr kumimoji="1" lang="ja-JP" altLang="en-US"/>
           </a:p>
@@ -1411,7 +1412,7 @@
           <a:p>
             <a:fld id="{71DA34BE-174D-7A44-A52B-B6A2A01B4AA6}" type="datetimeFigureOut">
               <a:rPr kumimoji="1" lang="ja-JP" altLang="en-US" smtClean="0"/>
-              <a:t>2019/10/24</a:t>
+              <a:t>2019/10/27</a:t>
             </a:fld>
             <a:endParaRPr kumimoji="1" lang="ja-JP" altLang="en-US"/>
           </a:p>
@@ -1842,7 +1843,7 @@
           <a:p>
             <a:fld id="{71DA34BE-174D-7A44-A52B-B6A2A01B4AA6}" type="datetimeFigureOut">
               <a:rPr kumimoji="1" lang="ja-JP" altLang="en-US" smtClean="0"/>
-              <a:t>2019/10/24</a:t>
+              <a:t>2019/10/27</a:t>
             </a:fld>
             <a:endParaRPr kumimoji="1" lang="ja-JP" altLang="en-US"/>
           </a:p>
@@ -1960,7 +1961,7 @@
           <a:p>
             <a:fld id="{71DA34BE-174D-7A44-A52B-B6A2A01B4AA6}" type="datetimeFigureOut">
               <a:rPr kumimoji="1" lang="ja-JP" altLang="en-US" smtClean="0"/>
-              <a:t>2019/10/24</a:t>
+              <a:t>2019/10/27</a:t>
             </a:fld>
             <a:endParaRPr kumimoji="1" lang="ja-JP" altLang="en-US"/>
           </a:p>
@@ -2055,7 +2056,7 @@
           <a:p>
             <a:fld id="{71DA34BE-174D-7A44-A52B-B6A2A01B4AA6}" type="datetimeFigureOut">
               <a:rPr kumimoji="1" lang="ja-JP" altLang="en-US" smtClean="0"/>
-              <a:t>2019/10/24</a:t>
+              <a:t>2019/10/27</a:t>
             </a:fld>
             <a:endParaRPr kumimoji="1" lang="ja-JP" altLang="en-US"/>
           </a:p>
@@ -2364,7 +2365,7 @@
           <a:p>
             <a:fld id="{71DA34BE-174D-7A44-A52B-B6A2A01B4AA6}" type="datetimeFigureOut">
               <a:rPr kumimoji="1" lang="ja-JP" altLang="en-US" smtClean="0"/>
-              <a:t>2019/10/24</a:t>
+              <a:t>2019/10/27</a:t>
             </a:fld>
             <a:endParaRPr kumimoji="1" lang="ja-JP" altLang="en-US"/>
           </a:p>
@@ -2621,7 +2622,7 @@
           <a:p>
             <a:fld id="{71DA34BE-174D-7A44-A52B-B6A2A01B4AA6}" type="datetimeFigureOut">
               <a:rPr kumimoji="1" lang="ja-JP" altLang="en-US" smtClean="0"/>
-              <a:t>2019/10/24</a:t>
+              <a:t>2019/10/27</a:t>
             </a:fld>
             <a:endParaRPr kumimoji="1" lang="ja-JP" altLang="en-US"/>
           </a:p>
@@ -2866,7 +2867,7 @@
           <a:p>
             <a:fld id="{71DA34BE-174D-7A44-A52B-B6A2A01B4AA6}" type="datetimeFigureOut">
               <a:rPr kumimoji="1" lang="ja-JP" altLang="en-US" smtClean="0"/>
-              <a:t>2019/10/24</a:t>
+              <a:t>2019/10/27</a:t>
             </a:fld>
             <a:endParaRPr kumimoji="1" lang="ja-JP" altLang="en-US"/>
           </a:p>
@@ -4774,7 +4775,7 @@
         </p:nvSpPr>
         <p:spPr>
           <a:xfrm>
-            <a:off x="4590738" y="6813568"/>
+            <a:off x="4572266" y="6795096"/>
             <a:ext cx="2008871" cy="230832"/>
           </a:xfrm>
           <a:prstGeom prst="rect">
@@ -6780,7 +6781,7 @@
         <p:spPr>
           <a:xfrm>
             <a:off x="4033355" y="3794730"/>
-            <a:ext cx="556969" cy="369332"/>
+            <a:ext cx="806500" cy="369332"/>
           </a:xfrm>
           <a:prstGeom prst="rect">
             <a:avLst/>
@@ -6802,8 +6803,8 @@
               <a:rPr lang="en-US" altLang="ja-JP" sz="900" dirty="0" smtClean="0"/>
             </a:br>
             <a:r>
-              <a:rPr lang="en-US" altLang="ja-JP" sz="900" dirty="0" smtClean="0"/>
-              <a:t>(return)</a:t>
+              <a:rPr lang="en-US" altLang="ja-JP" sz="900" smtClean="0"/>
+              <a:t>(returns)</a:t>
             </a:r>
             <a:endParaRPr lang="ja-JP" altLang="en-US" sz="900" dirty="0"/>
           </a:p>
@@ -6836,6 +6837,76 @@
               <a:t>MODEL RELATIONSHIPS</a:t>
             </a:r>
             <a:endParaRPr kumimoji="1" lang="ja-JP" altLang="en-US" b="1" dirty="0"/>
+          </a:p>
+        </p:txBody>
+      </p:sp>
+      <p:sp>
+        <p:nvSpPr>
+          <p:cNvPr id="2" name="テキスト ボックス 1"/>
+          <p:cNvSpPr txBox="1"/>
+          <p:nvPr/>
+        </p:nvSpPr>
+        <p:spPr>
+          <a:xfrm>
+            <a:off x="3998711" y="4089517"/>
+            <a:ext cx="3264177" cy="200055"/>
+          </a:xfrm>
+          <a:prstGeom prst="rect">
+            <a:avLst/>
+          </a:prstGeom>
+          <a:noFill/>
+        </p:spPr>
+        <p:txBody>
+          <a:bodyPr wrap="square" rtlCol="0">
+            <a:spAutoFit/>
+          </a:bodyPr>
+          <a:lstStyle/>
+          <a:p>
+            <a:r>
+              <a:rPr lang="en-US" altLang="ja-JP" sz="700" dirty="0" smtClean="0"/>
+              <a:t>* </a:t>
+            </a:r>
+            <a:r>
+              <a:rPr lang="en-US" altLang="ja-JP" sz="700" dirty="0" err="1" smtClean="0"/>
+              <a:t>Có</a:t>
+            </a:r>
+            <a:r>
+              <a:rPr lang="en-US" altLang="ja-JP" sz="700" dirty="0" smtClean="0"/>
+              <a:t> </a:t>
+            </a:r>
+            <a:r>
+              <a:rPr lang="en-US" altLang="ja-JP" sz="700" dirty="0" err="1" smtClean="0"/>
+              <a:t>thể</a:t>
+            </a:r>
+            <a:r>
+              <a:rPr lang="en-US" altLang="ja-JP" sz="700" dirty="0" smtClean="0"/>
+              <a:t> </a:t>
+            </a:r>
+            <a:r>
+              <a:rPr lang="en-US" altLang="ja-JP" sz="700" dirty="0" err="1" smtClean="0"/>
+              <a:t>dùng</a:t>
+            </a:r>
+            <a:r>
+              <a:rPr lang="en-US" altLang="ja-JP" sz="700" dirty="0" smtClean="0"/>
+              <a:t> </a:t>
+            </a:r>
+            <a:r>
+              <a:rPr lang="en-US" altLang="ja-JP" sz="700" dirty="0" err="1" smtClean="0"/>
+              <a:t>để</a:t>
+            </a:r>
+            <a:r>
+              <a:rPr lang="en-US" altLang="ja-JP" sz="700" dirty="0" smtClean="0"/>
+              <a:t> </a:t>
+            </a:r>
+            <a:r>
+              <a:rPr lang="en-US" altLang="ja-JP" sz="700" dirty="0" err="1" smtClean="0"/>
+              <a:t>tính</a:t>
+            </a:r>
+            <a:r>
+              <a:rPr lang="en-US" altLang="ja-JP" sz="700" dirty="0" smtClean="0"/>
+              <a:t> gradient</a:t>
+            </a:r>
+            <a:endParaRPr kumimoji="1" lang="ja-JP" altLang="en-US" sz="700" dirty="0"/>
           </a:p>
         </p:txBody>
       </p:sp>
@@ -6843,6 +6914,94 @@
     <p:extLst>
       <p:ext uri="{BB962C8B-B14F-4D97-AF65-F5344CB8AC3E}">
         <p14:creationId xmlns:p14="http://schemas.microsoft.com/office/powerpoint/2010/main" val="1510027283"/>
+      </p:ext>
+    </p:extLst>
+  </p:cSld>
+  <p:clrMapOvr>
+    <a:masterClrMapping/>
+  </p:clrMapOvr>
+</p:sld>
+</file>
+
+<file path=ppt/slides/slide3.xml><?xml version="1.0" encoding="utf-8"?>
+<p:sld xmlns:a="http://schemas.openxmlformats.org/drawingml/2006/main" xmlns:r="http://schemas.openxmlformats.org/officeDocument/2006/relationships" xmlns:p="http://schemas.openxmlformats.org/presentationml/2006/main">
+  <p:cSld>
+    <p:spTree>
+      <p:nvGrpSpPr>
+        <p:cNvPr id="1" name=""/>
+        <p:cNvGrpSpPr/>
+        <p:nvPr/>
+      </p:nvGrpSpPr>
+      <p:grpSpPr>
+        <a:xfrm>
+          <a:off x="0" y="0"/>
+          <a:ext cx="0" cy="0"/>
+          <a:chOff x="0" y="0"/>
+          <a:chExt cx="0" cy="0"/>
+        </a:xfrm>
+      </p:grpSpPr>
+      <p:sp>
+        <p:nvSpPr>
+          <p:cNvPr id="2" name="タイトル 1"/>
+          <p:cNvSpPr>
+            <a:spLocks noGrp="1"/>
+          </p:cNvSpPr>
+          <p:nvPr>
+            <p:ph type="title"/>
+          </p:nvPr>
+        </p:nvSpPr>
+        <p:spPr/>
+        <p:txBody>
+          <a:bodyPr/>
+          <a:lstStyle/>
+          <a:p>
+            <a:r>
+              <a:rPr kumimoji="1" lang="vi-VN" altLang="ja-JP" dirty="0" smtClean="0"/>
+              <a:t>Issues</a:t>
+            </a:r>
+            <a:endParaRPr kumimoji="1" lang="ja-JP" altLang="en-US" dirty="0"/>
+          </a:p>
+        </p:txBody>
+      </p:sp>
+      <p:sp>
+        <p:nvSpPr>
+          <p:cNvPr id="3" name="コンテンツ プレースホルダー 2"/>
+          <p:cNvSpPr>
+            <a:spLocks noGrp="1"/>
+          </p:cNvSpPr>
+          <p:nvPr>
+            <p:ph idx="1"/>
+          </p:nvPr>
+        </p:nvSpPr>
+        <p:spPr/>
+        <p:txBody>
+          <a:bodyPr/>
+          <a:lstStyle/>
+          <a:p>
+            <a:r>
+              <a:rPr kumimoji="1" lang="vi-VN" altLang="ja-JP" dirty="0" smtClean="0"/>
+              <a:t>Set label cho discriminator như thế nào ?</a:t>
+            </a:r>
+          </a:p>
+          <a:p>
+            <a:r>
+              <a:rPr lang="vi-VN" altLang="ja-JP" dirty="0" smtClean="0"/>
+              <a:t>Update generator như thế nào ?</a:t>
+            </a:r>
+          </a:p>
+          <a:p>
+            <a:r>
+              <a:rPr kumimoji="1" lang="vi-VN" altLang="ja-JP" dirty="0" smtClean="0"/>
+              <a:t>Generator đầu tiên có phải là behavior clone hay ko ?</a:t>
+            </a:r>
+            <a:endParaRPr kumimoji="1" lang="ja-JP" altLang="en-US" dirty="0"/>
+          </a:p>
+        </p:txBody>
+      </p:sp>
+    </p:spTree>
+    <p:extLst>
+      <p:ext uri="{BB962C8B-B14F-4D97-AF65-F5344CB8AC3E}">
+        <p14:creationId xmlns:p14="http://schemas.microsoft.com/office/powerpoint/2010/main" val="54217810"/>
       </p:ext>
     </p:extLst>
   </p:cSld>
